--- a/1029進捗.pptx
+++ b/1029進捗.pptx
@@ -5,7 +5,7 @@
     <p:sldMasterId id="2147483648" r:id="rId1"/>
   </p:sldMasterIdLst>
   <p:notesMasterIdLst>
-    <p:notesMasterId r:id="rId8"/>
+    <p:notesMasterId r:id="rId11"/>
   </p:notesMasterIdLst>
   <p:sldIdLst>
     <p:sldId id="256" r:id="rId2"/>
@@ -13,7 +13,10 @@
     <p:sldId id="258" r:id="rId4"/>
     <p:sldId id="260" r:id="rId5"/>
     <p:sldId id="261" r:id="rId6"/>
-    <p:sldId id="259" r:id="rId7"/>
+    <p:sldId id="262" r:id="rId7"/>
+    <p:sldId id="263" r:id="rId8"/>
+    <p:sldId id="264" r:id="rId9"/>
+    <p:sldId id="259" r:id="rId10"/>
   </p:sldIdLst>
   <p:sldSz cx="9144000" cy="6858000" type="screen4x3"/>
   <p:notesSz cx="6858000" cy="9144000"/>
@@ -122,6 +125,9 @@
             <p14:sldId id="258"/>
             <p14:sldId id="260"/>
             <p14:sldId id="261"/>
+            <p14:sldId id="262"/>
+            <p14:sldId id="263"/>
+            <p14:sldId id="264"/>
             <p14:sldId id="259"/>
           </p14:sldIdLst>
         </p14:section>
@@ -3964,7 +3970,7 @@
           <p:cNvPr id="2" name="タイトル 1">
             <a:extLst>
               <a:ext uri="{FF2B5EF4-FFF2-40B4-BE49-F238E27FC236}">
-                <a16:creationId xmlns:a16="http://schemas.microsoft.com/office/drawing/2014/main" id="{8674007C-3760-C543-990A-21564C066A48}"/>
+                <a16:creationId xmlns:a16="http://schemas.microsoft.com/office/drawing/2014/main" xmlns="" id="{8674007C-3760-C543-990A-21564C066A48}"/>
               </a:ext>
             </a:extLst>
           </p:cNvPr>
@@ -3992,7 +3998,7 @@
           <p:cNvPr id="3" name="コンテンツ プレースホルダー 2">
             <a:extLst>
               <a:ext uri="{FF2B5EF4-FFF2-40B4-BE49-F238E27FC236}">
-                <a16:creationId xmlns:a16="http://schemas.microsoft.com/office/drawing/2014/main" id="{67904111-FFD3-4640-A7DF-627F7F6DD0C2}"/>
+                <a16:creationId xmlns:a16="http://schemas.microsoft.com/office/drawing/2014/main" xmlns="" id="{67904111-FFD3-4640-A7DF-627F7F6DD0C2}"/>
               </a:ext>
             </a:extLst>
           </p:cNvPr>
@@ -4064,7 +4070,7 @@
           <p:cNvPr id="4" name="スライド番号プレースホルダー 3">
             <a:extLst>
               <a:ext uri="{FF2B5EF4-FFF2-40B4-BE49-F238E27FC236}">
-                <a16:creationId xmlns:a16="http://schemas.microsoft.com/office/drawing/2014/main" id="{F41EDE3A-DAD6-FC4F-A192-1DB17D25214E}"/>
+                <a16:creationId xmlns:a16="http://schemas.microsoft.com/office/drawing/2014/main" xmlns="" id="{F41EDE3A-DAD6-FC4F-A192-1DB17D25214E}"/>
               </a:ext>
             </a:extLst>
           </p:cNvPr>
@@ -4125,7 +4131,7 @@
           <p:cNvPr id="2" name="タイトル 1">
             <a:extLst>
               <a:ext uri="{FF2B5EF4-FFF2-40B4-BE49-F238E27FC236}">
-                <a16:creationId xmlns:a16="http://schemas.microsoft.com/office/drawing/2014/main" id="{40DB26CE-16AE-E04B-94DD-AC489E2322AC}"/>
+                <a16:creationId xmlns:a16="http://schemas.microsoft.com/office/drawing/2014/main" xmlns="" id="{40DB26CE-16AE-E04B-94DD-AC489E2322AC}"/>
               </a:ext>
             </a:extLst>
           </p:cNvPr>
@@ -4153,7 +4159,7 @@
           <p:cNvPr id="3" name="コンテンツ プレースホルダー 2">
             <a:extLst>
               <a:ext uri="{FF2B5EF4-FFF2-40B4-BE49-F238E27FC236}">
-                <a16:creationId xmlns:a16="http://schemas.microsoft.com/office/drawing/2014/main" id="{99538149-99E1-9B40-8675-0BDF5F2BE252}"/>
+                <a16:creationId xmlns:a16="http://schemas.microsoft.com/office/drawing/2014/main" xmlns="" id="{99538149-99E1-9B40-8675-0BDF5F2BE252}"/>
               </a:ext>
             </a:extLst>
           </p:cNvPr>
@@ -4227,7 +4233,7 @@
           <p:cNvPr id="4" name="スライド番号プレースホルダー 3">
             <a:extLst>
               <a:ext uri="{FF2B5EF4-FFF2-40B4-BE49-F238E27FC236}">
-                <a16:creationId xmlns:a16="http://schemas.microsoft.com/office/drawing/2014/main" id="{13998ACE-B9D3-9B4B-8320-970F4E22046E}"/>
+                <a16:creationId xmlns:a16="http://schemas.microsoft.com/office/drawing/2014/main" xmlns="" id="{13998ACE-B9D3-9B4B-8320-970F4E22046E}"/>
               </a:ext>
             </a:extLst>
           </p:cNvPr>
@@ -4288,7 +4294,7 @@
           <p:cNvPr id="2" name="タイトル 1">
             <a:extLst>
               <a:ext uri="{FF2B5EF4-FFF2-40B4-BE49-F238E27FC236}">
-                <a16:creationId xmlns:a16="http://schemas.microsoft.com/office/drawing/2014/main" id="{5CB565E1-0D64-AC4D-8718-0F78A33FAA07}"/>
+                <a16:creationId xmlns:a16="http://schemas.microsoft.com/office/drawing/2014/main" xmlns="" id="{5CB565E1-0D64-AC4D-8718-0F78A33FAA07}"/>
               </a:ext>
             </a:extLst>
           </p:cNvPr>
@@ -4341,7 +4347,7 @@
           <p:cNvPr id="3" name="コンテンツ プレースホルダー 2">
             <a:extLst>
               <a:ext uri="{FF2B5EF4-FFF2-40B4-BE49-F238E27FC236}">
-                <a16:creationId xmlns:a16="http://schemas.microsoft.com/office/drawing/2014/main" id="{72BB8F96-D3E6-AC42-848B-0AC84922A9BD}"/>
+                <a16:creationId xmlns:a16="http://schemas.microsoft.com/office/drawing/2014/main" xmlns="" id="{72BB8F96-D3E6-AC42-848B-0AC84922A9BD}"/>
               </a:ext>
             </a:extLst>
           </p:cNvPr>
@@ -4366,7 +4372,7 @@
           <p:cNvPr id="4" name="スライド番号プレースホルダー 3">
             <a:extLst>
               <a:ext uri="{FF2B5EF4-FFF2-40B4-BE49-F238E27FC236}">
-                <a16:creationId xmlns:a16="http://schemas.microsoft.com/office/drawing/2014/main" id="{00706688-30A2-7447-85B4-2B3ACABFCA77}"/>
+                <a16:creationId xmlns:a16="http://schemas.microsoft.com/office/drawing/2014/main" xmlns="" id="{00706688-30A2-7447-85B4-2B3ACABFCA77}"/>
               </a:ext>
             </a:extLst>
           </p:cNvPr>
@@ -4427,7 +4433,7 @@
           <p:cNvPr id="2" name="タイトル 1">
             <a:extLst>
               <a:ext uri="{FF2B5EF4-FFF2-40B4-BE49-F238E27FC236}">
-                <a16:creationId xmlns:a16="http://schemas.microsoft.com/office/drawing/2014/main" id="{5F2011EA-7E4D-344C-97B8-7189A38ACE4F}"/>
+                <a16:creationId xmlns:a16="http://schemas.microsoft.com/office/drawing/2014/main" xmlns="" id="{5F2011EA-7E4D-344C-97B8-7189A38ACE4F}"/>
               </a:ext>
             </a:extLst>
           </p:cNvPr>
@@ -4467,7 +4473,7 @@
           <p:cNvPr id="3" name="コンテンツ プレースホルダー 2">
             <a:extLst>
               <a:ext uri="{FF2B5EF4-FFF2-40B4-BE49-F238E27FC236}">
-                <a16:creationId xmlns:a16="http://schemas.microsoft.com/office/drawing/2014/main" id="{9729DEA7-1CC2-964C-B0C5-913FB985641D}"/>
+                <a16:creationId xmlns:a16="http://schemas.microsoft.com/office/drawing/2014/main" xmlns="" id="{9729DEA7-1CC2-964C-B0C5-913FB985641D}"/>
               </a:ext>
             </a:extLst>
           </p:cNvPr>
@@ -4492,7 +4498,7 @@
           <p:cNvPr id="4" name="スライド番号プレースホルダー 3">
             <a:extLst>
               <a:ext uri="{FF2B5EF4-FFF2-40B4-BE49-F238E27FC236}">
-                <a16:creationId xmlns:a16="http://schemas.microsoft.com/office/drawing/2014/main" id="{182FEAE5-0673-C74A-93D9-1595A8F59CE0}"/>
+                <a16:creationId xmlns:a16="http://schemas.microsoft.com/office/drawing/2014/main" xmlns="" id="{182FEAE5-0673-C74A-93D9-1595A8F59CE0}"/>
               </a:ext>
             </a:extLst>
           </p:cNvPr>
@@ -4550,13 +4556,7 @@
       </p:grpSpPr>
       <p:sp>
         <p:nvSpPr>
-          <p:cNvPr id="2" name="タイトル 1">
-            <a:extLst>
-              <a:ext uri="{FF2B5EF4-FFF2-40B4-BE49-F238E27FC236}">
-                <a16:creationId xmlns:a16="http://schemas.microsoft.com/office/drawing/2014/main" id="{21BA581E-2E1C-DE46-90E3-8B37B0CAA86D}"/>
-              </a:ext>
-            </a:extLst>
-          </p:cNvPr>
+          <p:cNvPr id="2" name="タイトル 1"/>
           <p:cNvSpPr>
             <a:spLocks noGrp="1"/>
           </p:cNvSpPr>
@@ -4570,21 +4570,20 @@
           <a:lstStyle/>
           <a:p>
             <a:r>
-              <a:rPr kumimoji="1" lang="ja-JP" altLang="en-US"/>
-              <a:t>課題</a:t>
-            </a:r>
-          </a:p>
-        </p:txBody>
-      </p:sp>
-      <p:sp>
-        <p:nvSpPr>
-          <p:cNvPr id="3" name="コンテンツ プレースホルダー 2">
-            <a:extLst>
-              <a:ext uri="{FF2B5EF4-FFF2-40B4-BE49-F238E27FC236}">
-                <a16:creationId xmlns:a16="http://schemas.microsoft.com/office/drawing/2014/main" id="{A99257BF-4833-C243-8729-9BB3A5128B2C}"/>
-              </a:ext>
-            </a:extLst>
-          </p:cNvPr>
+              <a:rPr kumimoji="1" lang="en-US" altLang="ja-JP" dirty="0" smtClean="0"/>
+              <a:t>LTI</a:t>
+            </a:r>
+            <a:r>
+              <a:rPr kumimoji="1" lang="ja-JP" altLang="en-US" dirty="0" smtClean="0"/>
+              <a:t>進捗</a:t>
+            </a:r>
+            <a:endParaRPr kumimoji="1" lang="ja-JP" altLang="en-US" dirty="0"/>
+          </a:p>
+        </p:txBody>
+      </p:sp>
+      <p:sp>
+        <p:nvSpPr>
+          <p:cNvPr id="3" name="コンテンツ プレースホルダー 2"/>
           <p:cNvSpPr>
             <a:spLocks noGrp="1"/>
           </p:cNvSpPr>
@@ -4598,28 +4597,46 @@
           <a:lstStyle/>
           <a:p>
             <a:r>
-              <a:rPr lang="en-US" altLang="ja-JP" dirty="0" err="1"/>
-              <a:t>netJson</a:t>
-            </a:r>
-            <a:endParaRPr lang="en-US" altLang="ja-JP" dirty="0"/>
-          </a:p>
-          <a:p>
-            <a:endParaRPr kumimoji="1" lang="en-US" altLang="ja-JP" dirty="0"/>
-          </a:p>
-          <a:p>
-            <a:endParaRPr kumimoji="1" lang="ja-JP" altLang="en-US"/>
-          </a:p>
-        </p:txBody>
-      </p:sp>
-      <p:sp>
-        <p:nvSpPr>
-          <p:cNvPr id="4" name="スライド番号プレースホルダー 3">
-            <a:extLst>
-              <a:ext uri="{FF2B5EF4-FFF2-40B4-BE49-F238E27FC236}">
-                <a16:creationId xmlns:a16="http://schemas.microsoft.com/office/drawing/2014/main" id="{7BA8A596-58AA-E541-8596-03DA9B97F380}"/>
-              </a:ext>
-            </a:extLst>
-          </p:cNvPr>
+              <a:rPr kumimoji="1" lang="ja-JP" altLang="en-US" dirty="0" smtClean="0"/>
+              <a:t>前回同様</a:t>
+            </a:r>
+            <a:r>
+              <a:rPr lang="en-US" altLang="ja-JP" dirty="0">
+                <a:hlinkClick r:id="rId2"/>
+              </a:rPr>
+              <a:t>https://</a:t>
+            </a:r>
+            <a:r>
+              <a:rPr lang="en-US" altLang="ja-JP" dirty="0" smtClean="0">
+                <a:hlinkClick r:id="rId2"/>
+              </a:rPr>
+              <a:t>canvas.instructure.com/courses/785215/assignments/2233111?module_item_id=4761769</a:t>
+            </a:r>
+            <a:r>
+              <a:rPr kumimoji="1" lang="ja-JP" altLang="en-US" dirty="0" smtClean="0"/>
+              <a:t>を参考に進めた</a:t>
+            </a:r>
+            <a:endParaRPr kumimoji="1" lang="en-US" altLang="ja-JP" dirty="0" smtClean="0"/>
+          </a:p>
+          <a:p>
+            <a:r>
+              <a:rPr lang="en-US" altLang="ja-JP" dirty="0" err="1" smtClean="0"/>
+              <a:t>return_redirect</a:t>
+            </a:r>
+            <a:endParaRPr lang="en-US" altLang="ja-JP" dirty="0" smtClean="0"/>
+          </a:p>
+          <a:p>
+            <a:r>
+              <a:rPr lang="en-US" altLang="ja-JP" dirty="0" smtClean="0"/>
+              <a:t>XML Configuration</a:t>
+            </a:r>
+            <a:endParaRPr lang="en-US" altLang="ja-JP" b="1" dirty="0"/>
+          </a:p>
+        </p:txBody>
+      </p:sp>
+      <p:sp>
+        <p:nvSpPr>
+          <p:cNvPr id="4" name="スライド番号プレースホルダー 3"/>
           <p:cNvSpPr>
             <a:spLocks noGrp="1"/>
           </p:cNvSpPr>
@@ -4639,6 +4656,552 @@
               <a:t>6</a:t>
             </a:fld>
             <a:endParaRPr lang="ja-JP" altLang="en-US" dirty="0"/>
+          </a:p>
+        </p:txBody>
+      </p:sp>
+    </p:spTree>
+    <p:extLst>
+      <p:ext uri="{BB962C8B-B14F-4D97-AF65-F5344CB8AC3E}">
+        <p14:creationId xmlns:p14="http://schemas.microsoft.com/office/powerpoint/2010/main" val="432921373"/>
+      </p:ext>
+    </p:extLst>
+  </p:cSld>
+  <p:clrMapOvr>
+    <a:masterClrMapping/>
+  </p:clrMapOvr>
+</p:sld>
+</file>
+
+<file path=ppt/slides/slide7.xml><?xml version="1.0" encoding="utf-8"?>
+<p:sld xmlns:a="http://schemas.openxmlformats.org/drawingml/2006/main" xmlns:r="http://schemas.openxmlformats.org/officeDocument/2006/relationships" xmlns:p="http://schemas.openxmlformats.org/presentationml/2006/main">
+  <p:cSld>
+    <p:spTree>
+      <p:nvGrpSpPr>
+        <p:cNvPr id="1" name=""/>
+        <p:cNvGrpSpPr/>
+        <p:nvPr/>
+      </p:nvGrpSpPr>
+      <p:grpSpPr>
+        <a:xfrm>
+          <a:off x="0" y="0"/>
+          <a:ext cx="0" cy="0"/>
+          <a:chOff x="0" y="0"/>
+          <a:chExt cx="0" cy="0"/>
+        </a:xfrm>
+      </p:grpSpPr>
+      <p:sp>
+        <p:nvSpPr>
+          <p:cNvPr id="2" name="タイトル 1"/>
+          <p:cNvSpPr>
+            <a:spLocks noGrp="1"/>
+          </p:cNvSpPr>
+          <p:nvPr>
+            <p:ph type="title"/>
+          </p:nvPr>
+        </p:nvSpPr>
+        <p:spPr/>
+        <p:txBody>
+          <a:bodyPr/>
+          <a:lstStyle/>
+          <a:p>
+            <a:r>
+              <a:rPr kumimoji="1" lang="en-US" altLang="ja-JP" dirty="0" err="1" smtClean="0"/>
+              <a:t>Return_redirect</a:t>
+            </a:r>
+            <a:endParaRPr kumimoji="1" lang="ja-JP" altLang="en-US" dirty="0"/>
+          </a:p>
+        </p:txBody>
+      </p:sp>
+      <p:sp>
+        <p:nvSpPr>
+          <p:cNvPr id="3" name="コンテンツ プレースホルダー 2"/>
+          <p:cNvSpPr>
+            <a:spLocks noGrp="1"/>
+          </p:cNvSpPr>
+          <p:nvPr>
+            <p:ph idx="1"/>
+          </p:nvPr>
+        </p:nvSpPr>
+        <p:spPr/>
+        <p:txBody>
+          <a:bodyPr/>
+          <a:lstStyle/>
+          <a:p>
+            <a:r>
+              <a:rPr lang="ja-JP" altLang="en-US" dirty="0" smtClean="0"/>
+              <a:t>情報の受け渡しについて学んだ</a:t>
+            </a:r>
+            <a:r>
+              <a:rPr lang="en-US" altLang="ja-JP" dirty="0" smtClean="0"/>
+              <a:t/>
+            </a:r>
+            <a:br>
+              <a:rPr lang="en-US" altLang="ja-JP" dirty="0" smtClean="0"/>
+            </a:br>
+            <a:r>
+              <a:rPr lang="en-US" altLang="ja-JP" dirty="0" smtClean="0"/>
+              <a:t>-</a:t>
+            </a:r>
+            <a:r>
+              <a:rPr lang="ja-JP" altLang="en-US" sz="2400" dirty="0" smtClean="0"/>
+              <a:t>コンシューマーに見せても良い情報を渡す値</a:t>
+            </a:r>
+            <a:r>
+              <a:rPr lang="en-US" altLang="ja-JP" sz="2400" dirty="0" smtClean="0"/>
+              <a:t/>
+            </a:r>
+            <a:br>
+              <a:rPr lang="en-US" altLang="ja-JP" sz="2400" dirty="0" smtClean="0"/>
+            </a:br>
+            <a:r>
+              <a:rPr lang="en-US" altLang="ja-JP" sz="2400" dirty="0" smtClean="0"/>
+              <a:t>ex </a:t>
+            </a:r>
+            <a:r>
+              <a:rPr lang="ja-JP" altLang="en-US" sz="2400" dirty="0" smtClean="0"/>
+              <a:t>情報の送信が完了しました　など</a:t>
+            </a:r>
+            <a:r>
+              <a:rPr lang="en-US" altLang="ja-JP" sz="2400" dirty="0" smtClean="0"/>
+              <a:t/>
+            </a:r>
+            <a:br>
+              <a:rPr lang="en-US" altLang="ja-JP" sz="2400" dirty="0" smtClean="0"/>
+            </a:br>
+            <a:r>
+              <a:rPr lang="en-US" altLang="ja-JP" sz="2400" dirty="0" smtClean="0"/>
+              <a:t>-</a:t>
+            </a:r>
+            <a:r>
+              <a:rPr lang="ja-JP" altLang="en-US" sz="2400" dirty="0" smtClean="0"/>
+              <a:t>システムに渡す値</a:t>
+            </a:r>
+            <a:r>
+              <a:rPr lang="en-US" altLang="ja-JP" sz="2400" dirty="0" smtClean="0"/>
+              <a:t/>
+            </a:r>
+            <a:br>
+              <a:rPr lang="en-US" altLang="ja-JP" sz="2400" dirty="0" smtClean="0"/>
+            </a:br>
+            <a:r>
+              <a:rPr lang="en-US" altLang="ja-JP" sz="2400" dirty="0" smtClean="0"/>
+              <a:t>ex </a:t>
+            </a:r>
+            <a:r>
+              <a:rPr lang="ja-JP" altLang="en-US" sz="2400" dirty="0" smtClean="0"/>
+              <a:t>エラー</a:t>
+            </a:r>
+            <a:r>
+              <a:rPr lang="en-US" altLang="ja-JP" sz="2400" dirty="0" smtClean="0"/>
+              <a:t>log</a:t>
+            </a:r>
+            <a:r>
+              <a:rPr lang="ja-JP" altLang="en-US" sz="2400" dirty="0" smtClean="0"/>
+              <a:t>など</a:t>
+            </a:r>
+            <a:endParaRPr kumimoji="1" lang="ja-JP" altLang="en-US" sz="1800" dirty="0"/>
+          </a:p>
+        </p:txBody>
+      </p:sp>
+      <p:sp>
+        <p:nvSpPr>
+          <p:cNvPr id="4" name="スライド番号プレースホルダー 3"/>
+          <p:cNvSpPr>
+            <a:spLocks noGrp="1"/>
+          </p:cNvSpPr>
+          <p:nvPr>
+            <p:ph type="sldNum" sz="quarter" idx="12"/>
+          </p:nvPr>
+        </p:nvSpPr>
+        <p:spPr/>
+        <p:txBody>
+          <a:bodyPr/>
+          <a:lstStyle/>
+          <a:p>
+            <a:pPr algn="ctr"/>
+            <a:fld id="{CA23F248-F353-4F36-A746-B1953A38AE2D}" type="slidenum">
+              <a:rPr lang="ja-JP" altLang="en-US" smtClean="0"/>
+              <a:pPr algn="ctr"/>
+              <a:t>7</a:t>
+            </a:fld>
+            <a:endParaRPr lang="ja-JP" altLang="en-US" dirty="0"/>
+          </a:p>
+        </p:txBody>
+      </p:sp>
+    </p:spTree>
+    <p:extLst>
+      <p:ext uri="{BB962C8B-B14F-4D97-AF65-F5344CB8AC3E}">
+        <p14:creationId xmlns:p14="http://schemas.microsoft.com/office/powerpoint/2010/main" val="717155397"/>
+      </p:ext>
+    </p:extLst>
+  </p:cSld>
+  <p:clrMapOvr>
+    <a:masterClrMapping/>
+  </p:clrMapOvr>
+</p:sld>
+</file>
+
+<file path=ppt/slides/slide8.xml><?xml version="1.0" encoding="utf-8"?>
+<p:sld xmlns:a="http://schemas.openxmlformats.org/drawingml/2006/main" xmlns:r="http://schemas.openxmlformats.org/officeDocument/2006/relationships" xmlns:p="http://schemas.openxmlformats.org/presentationml/2006/main">
+  <p:cSld>
+    <p:spTree>
+      <p:nvGrpSpPr>
+        <p:cNvPr id="1" name=""/>
+        <p:cNvGrpSpPr/>
+        <p:nvPr/>
+      </p:nvGrpSpPr>
+      <p:grpSpPr>
+        <a:xfrm>
+          <a:off x="0" y="0"/>
+          <a:ext cx="0" cy="0"/>
+          <a:chOff x="0" y="0"/>
+          <a:chExt cx="0" cy="0"/>
+        </a:xfrm>
+      </p:grpSpPr>
+      <p:sp>
+        <p:nvSpPr>
+          <p:cNvPr id="2" name="タイトル 1"/>
+          <p:cNvSpPr>
+            <a:spLocks noGrp="1"/>
+          </p:cNvSpPr>
+          <p:nvPr>
+            <p:ph type="title"/>
+          </p:nvPr>
+        </p:nvSpPr>
+        <p:spPr/>
+        <p:txBody>
+          <a:bodyPr/>
+          <a:lstStyle/>
+          <a:p>
+            <a:r>
+              <a:rPr kumimoji="1" lang="en-US" altLang="ja-JP" dirty="0" smtClean="0"/>
+              <a:t>XML</a:t>
+            </a:r>
+            <a:endParaRPr kumimoji="1" lang="ja-JP" altLang="en-US" dirty="0"/>
+          </a:p>
+        </p:txBody>
+      </p:sp>
+      <p:sp>
+        <p:nvSpPr>
+          <p:cNvPr id="3" name="コンテンツ プレースホルダー 2"/>
+          <p:cNvSpPr>
+            <a:spLocks noGrp="1"/>
+          </p:cNvSpPr>
+          <p:nvPr>
+            <p:ph idx="1"/>
+          </p:nvPr>
+        </p:nvSpPr>
+        <p:spPr/>
+        <p:txBody>
+          <a:bodyPr/>
+          <a:lstStyle/>
+          <a:p>
+            <a:r>
+              <a:rPr kumimoji="1" lang="en-US" altLang="ja-JP" dirty="0" smtClean="0"/>
+              <a:t>XML</a:t>
+            </a:r>
+            <a:r>
+              <a:rPr kumimoji="1" lang="ja-JP" altLang="en-US" dirty="0" smtClean="0"/>
+              <a:t>とは？</a:t>
+            </a:r>
+            <a:r>
+              <a:rPr kumimoji="1" lang="en-US" altLang="ja-JP" dirty="0" smtClean="0"/>
+              <a:t/>
+            </a:r>
+            <a:br>
+              <a:rPr kumimoji="1" lang="en-US" altLang="ja-JP" dirty="0" smtClean="0"/>
+            </a:br>
+            <a:r>
+              <a:rPr kumimoji="1" lang="en-US" altLang="ja-JP" sz="2400" dirty="0" smtClean="0"/>
+              <a:t>-</a:t>
+            </a:r>
+            <a:r>
+              <a:rPr lang="ja-JP" altLang="en-US" sz="2400" dirty="0" smtClean="0"/>
+              <a:t>エンコードは何でやる？</a:t>
+            </a:r>
+            <a:r>
+              <a:rPr lang="en-US" altLang="ja-JP" sz="2400" dirty="0" smtClean="0"/>
+              <a:t/>
+            </a:r>
+            <a:br>
+              <a:rPr lang="en-US" altLang="ja-JP" sz="2400" dirty="0" smtClean="0"/>
+            </a:br>
+            <a:r>
+              <a:rPr lang="en-US" altLang="ja-JP" sz="2400" dirty="0" smtClean="0"/>
+              <a:t>-</a:t>
+            </a:r>
+            <a:r>
+              <a:rPr lang="ja-JP" altLang="en-US" sz="2400" dirty="0" smtClean="0"/>
+              <a:t>最初に立ち上げる</a:t>
+            </a:r>
+            <a:r>
+              <a:rPr lang="en-US" altLang="ja-JP" sz="2400" dirty="0" err="1" smtClean="0"/>
+              <a:t>url</a:t>
+            </a:r>
+            <a:r>
+              <a:rPr lang="ja-JP" altLang="en-US" sz="2400" dirty="0" smtClean="0"/>
+              <a:t>は何にする？</a:t>
+            </a:r>
+            <a:r>
+              <a:rPr lang="en-US" altLang="ja-JP" sz="2400" dirty="0"/>
+              <a:t/>
+            </a:r>
+            <a:br>
+              <a:rPr lang="en-US" altLang="ja-JP" sz="2400" dirty="0"/>
+            </a:br>
+            <a:r>
+              <a:rPr lang="ja-JP" altLang="en-US" sz="2400" dirty="0" smtClean="0"/>
+              <a:t>などの設定をまとめたものである</a:t>
+            </a:r>
+            <a:endParaRPr lang="en-US" altLang="ja-JP" sz="2400" dirty="0" smtClean="0"/>
+          </a:p>
+          <a:p>
+            <a:r>
+              <a:rPr lang="ja-JP" altLang="en-US" sz="2400" dirty="0" smtClean="0"/>
+              <a:t>ネットワーク学習システムの設定ファイルを制作した。</a:t>
+            </a:r>
+            <a:r>
+              <a:rPr lang="en-US" altLang="ja-JP" sz="2400" dirty="0" smtClean="0"/>
+              <a:t/>
+            </a:r>
+            <a:br>
+              <a:rPr lang="en-US" altLang="ja-JP" sz="2400" dirty="0" smtClean="0"/>
+            </a:br>
+            <a:r>
+              <a:rPr lang="en-US" altLang="ja-JP" sz="2400" dirty="0" smtClean="0"/>
+              <a:t/>
+            </a:r>
+            <a:br>
+              <a:rPr lang="en-US" altLang="ja-JP" sz="2400" dirty="0" smtClean="0"/>
+            </a:br>
+            <a:endParaRPr lang="en-US" altLang="ja-JP" sz="2400" dirty="0" smtClean="0"/>
+          </a:p>
+          <a:p>
+            <a:r>
+              <a:rPr lang="en-US" altLang="ja-JP" sz="2400" dirty="0">
+                <a:hlinkClick r:id="rId2"/>
+              </a:rPr>
+              <a:t>https://</a:t>
+            </a:r>
+            <a:r>
+              <a:rPr lang="en-US" altLang="ja-JP" sz="2400" dirty="0" smtClean="0">
+                <a:hlinkClick r:id="rId2"/>
+              </a:rPr>
+              <a:t>www.edu-apps.org/build_xml.html</a:t>
+            </a:r>
+            <a:r>
+              <a:rPr lang="en-US" altLang="ja-JP" sz="2400" dirty="0"/>
+              <a:t/>
+            </a:r>
+            <a:br>
+              <a:rPr lang="en-US" altLang="ja-JP" sz="2400" dirty="0"/>
+            </a:br>
+            <a:r>
+              <a:rPr lang="en-US" altLang="ja-JP" sz="2400" dirty="0" smtClean="0"/>
+              <a:t>XML</a:t>
+            </a:r>
+            <a:r>
+              <a:rPr lang="ja-JP" altLang="en-US" sz="2400" dirty="0" smtClean="0"/>
+              <a:t> </a:t>
+            </a:r>
+            <a:r>
+              <a:rPr lang="en-US" altLang="ja-JP" sz="2400" dirty="0" smtClean="0"/>
+              <a:t>builder</a:t>
+            </a:r>
+            <a:r>
+              <a:rPr lang="ja-JP" altLang="en-US" sz="2400" dirty="0" smtClean="0"/>
+              <a:t> を使用して作成した。</a:t>
+            </a:r>
+            <a:endParaRPr lang="en-US" altLang="ja-JP" sz="2400" dirty="0" smtClean="0"/>
+          </a:p>
+        </p:txBody>
+      </p:sp>
+      <p:sp>
+        <p:nvSpPr>
+          <p:cNvPr id="4" name="スライド番号プレースホルダー 3"/>
+          <p:cNvSpPr>
+            <a:spLocks noGrp="1"/>
+          </p:cNvSpPr>
+          <p:nvPr>
+            <p:ph type="sldNum" sz="quarter" idx="12"/>
+          </p:nvPr>
+        </p:nvSpPr>
+        <p:spPr/>
+        <p:txBody>
+          <a:bodyPr/>
+          <a:lstStyle/>
+          <a:p>
+            <a:pPr algn="ctr"/>
+            <a:fld id="{CA23F248-F353-4F36-A746-B1953A38AE2D}" type="slidenum">
+              <a:rPr lang="ja-JP" altLang="en-US" smtClean="0"/>
+              <a:pPr algn="ctr"/>
+              <a:t>8</a:t>
+            </a:fld>
+            <a:endParaRPr lang="ja-JP" altLang="en-US" dirty="0"/>
+          </a:p>
+        </p:txBody>
+      </p:sp>
+    </p:spTree>
+    <p:extLst>
+      <p:ext uri="{BB962C8B-B14F-4D97-AF65-F5344CB8AC3E}">
+        <p14:creationId xmlns:p14="http://schemas.microsoft.com/office/powerpoint/2010/main" val="157767296"/>
+      </p:ext>
+    </p:extLst>
+  </p:cSld>
+  <p:clrMapOvr>
+    <a:masterClrMapping/>
+  </p:clrMapOvr>
+</p:sld>
+</file>
+
+<file path=ppt/slides/slide9.xml><?xml version="1.0" encoding="utf-8"?>
+<p:sld xmlns:a="http://schemas.openxmlformats.org/drawingml/2006/main" xmlns:r="http://schemas.openxmlformats.org/officeDocument/2006/relationships" xmlns:p="http://schemas.openxmlformats.org/presentationml/2006/main">
+  <p:cSld>
+    <p:spTree>
+      <p:nvGrpSpPr>
+        <p:cNvPr id="1" name=""/>
+        <p:cNvGrpSpPr/>
+        <p:nvPr/>
+      </p:nvGrpSpPr>
+      <p:grpSpPr>
+        <a:xfrm>
+          <a:off x="0" y="0"/>
+          <a:ext cx="0" cy="0"/>
+          <a:chOff x="0" y="0"/>
+          <a:chExt cx="0" cy="0"/>
+        </a:xfrm>
+      </p:grpSpPr>
+      <p:sp>
+        <p:nvSpPr>
+          <p:cNvPr id="2" name="タイトル 1">
+            <a:extLst>
+              <a:ext uri="{FF2B5EF4-FFF2-40B4-BE49-F238E27FC236}">
+                <a16:creationId xmlns:a16="http://schemas.microsoft.com/office/drawing/2014/main" xmlns="" id="{21BA581E-2E1C-DE46-90E3-8B37B0CAA86D}"/>
+              </a:ext>
+            </a:extLst>
+          </p:cNvPr>
+          <p:cNvSpPr>
+            <a:spLocks noGrp="1"/>
+          </p:cNvSpPr>
+          <p:nvPr>
+            <p:ph type="title"/>
+          </p:nvPr>
+        </p:nvSpPr>
+        <p:spPr/>
+        <p:txBody>
+          <a:bodyPr/>
+          <a:lstStyle/>
+          <a:p>
+            <a:r>
+              <a:rPr kumimoji="1" lang="ja-JP" altLang="en-US"/>
+              <a:t>課題</a:t>
+            </a:r>
+          </a:p>
+        </p:txBody>
+      </p:sp>
+      <p:sp>
+        <p:nvSpPr>
+          <p:cNvPr id="3" name="コンテンツ プレースホルダー 2">
+            <a:extLst>
+              <a:ext uri="{FF2B5EF4-FFF2-40B4-BE49-F238E27FC236}">
+                <a16:creationId xmlns:a16="http://schemas.microsoft.com/office/drawing/2014/main" xmlns="" id="{A99257BF-4833-C243-8729-9BB3A5128B2C}"/>
+              </a:ext>
+            </a:extLst>
+          </p:cNvPr>
+          <p:cNvSpPr>
+            <a:spLocks noGrp="1"/>
+          </p:cNvSpPr>
+          <p:nvPr>
+            <p:ph idx="1"/>
+          </p:nvPr>
+        </p:nvSpPr>
+        <p:spPr/>
+        <p:txBody>
+          <a:bodyPr/>
+          <a:lstStyle/>
+          <a:p>
+            <a:r>
+              <a:rPr lang="en-US" altLang="ja-JP" dirty="0" err="1" smtClean="0"/>
+              <a:t>netJson</a:t>
+            </a:r>
+            <a:endParaRPr lang="en-US" altLang="ja-JP" dirty="0" smtClean="0"/>
+          </a:p>
+          <a:p>
+            <a:endParaRPr lang="en-US" altLang="ja-JP" dirty="0"/>
+          </a:p>
+          <a:p>
+            <a:r>
+              <a:rPr lang="ja-JP" altLang="en-US" dirty="0" smtClean="0"/>
+              <a:t>残りの</a:t>
+            </a:r>
+            <a:r>
+              <a:rPr lang="ja-JP" altLang="en-US" smtClean="0"/>
+              <a:t>チュートリアルを終わらせる</a:t>
+            </a:r>
+            <a:endParaRPr lang="en-US" altLang="ja-JP" dirty="0"/>
+          </a:p>
+          <a:p>
+            <a:endParaRPr kumimoji="1" lang="en-US" altLang="ja-JP" dirty="0"/>
+          </a:p>
+          <a:p>
+            <a:endParaRPr kumimoji="1" lang="ja-JP" altLang="en-US" dirty="0"/>
+          </a:p>
+        </p:txBody>
+      </p:sp>
+      <p:sp>
+        <p:nvSpPr>
+          <p:cNvPr id="4" name="スライド番号プレースホルダー 3">
+            <a:extLst>
+              <a:ext uri="{FF2B5EF4-FFF2-40B4-BE49-F238E27FC236}">
+                <a16:creationId xmlns:a16="http://schemas.microsoft.com/office/drawing/2014/main" xmlns="" id="{7BA8A596-58AA-E541-8596-03DA9B97F380}"/>
+              </a:ext>
+            </a:extLst>
+          </p:cNvPr>
+          <p:cNvSpPr>
+            <a:spLocks noGrp="1"/>
+          </p:cNvSpPr>
+          <p:nvPr>
+            <p:ph type="sldNum" sz="quarter" idx="12"/>
+          </p:nvPr>
+        </p:nvSpPr>
+        <p:spPr/>
+        <p:txBody>
+          <a:bodyPr/>
+          <a:lstStyle/>
+          <a:p>
+            <a:pPr algn="ctr"/>
+            <a:fld id="{CA23F248-F353-4F36-A746-B1953A38AE2D}" type="slidenum">
+              <a:rPr lang="ja-JP" altLang="en-US" smtClean="0"/>
+              <a:pPr algn="ctr"/>
+              <a:t>9</a:t>
+            </a:fld>
+            <a:endParaRPr lang="ja-JP" altLang="en-US" dirty="0"/>
+          </a:p>
+        </p:txBody>
+      </p:sp>
+      <p:sp>
+        <p:nvSpPr>
+          <p:cNvPr id="5" name="テキスト ボックス 4"/>
+          <p:cNvSpPr txBox="1"/>
+          <p:nvPr/>
+        </p:nvSpPr>
+        <p:spPr>
+          <a:xfrm>
+            <a:off x="2345635" y="1987826"/>
+            <a:ext cx="184731" cy="369332"/>
+          </a:xfrm>
+          <a:prstGeom prst="rect">
+            <a:avLst/>
+          </a:prstGeom>
+          <a:noFill/>
+        </p:spPr>
+        <p:txBody>
+          <a:bodyPr wrap="none" rtlCol="0">
+            <a:spAutoFit/>
+          </a:bodyPr>
+          <a:lstStyle/>
+          <a:p>
+            <a:endParaRPr kumimoji="1" lang="ja-JP" altLang="en-US" dirty="0"/>
           </a:p>
         </p:txBody>
       </p:sp>
